--- a/Documentation/ArchitectureAndDesign/CrypToolStore/CrypToolStoreDatabase Database Model.pptx
+++ b/Documentation/ArchitectureAndDesign/CrypToolStore/CrypToolStoreDatabase Database Model.pptx
@@ -243,7 +243,7 @@
           <a:p>
             <a:fld id="{37886FAB-1D5F-4475-9F0F-75CF51AF13A6}" type="datetimeFigureOut">
               <a:rPr lang="de-DE" smtClean="0"/>
-              <a:t>24.07.2018</a:t>
+              <a:t>01.08.2018</a:t>
             </a:fld>
             <a:endParaRPr lang="de-DE"/>
           </a:p>
@@ -413,7 +413,7 @@
           <a:p>
             <a:fld id="{37886FAB-1D5F-4475-9F0F-75CF51AF13A6}" type="datetimeFigureOut">
               <a:rPr lang="de-DE" smtClean="0"/>
-              <a:t>24.07.2018</a:t>
+              <a:t>01.08.2018</a:t>
             </a:fld>
             <a:endParaRPr lang="de-DE"/>
           </a:p>
@@ -593,7 +593,7 @@
           <a:p>
             <a:fld id="{37886FAB-1D5F-4475-9F0F-75CF51AF13A6}" type="datetimeFigureOut">
               <a:rPr lang="de-DE" smtClean="0"/>
-              <a:t>24.07.2018</a:t>
+              <a:t>01.08.2018</a:t>
             </a:fld>
             <a:endParaRPr lang="de-DE"/>
           </a:p>
@@ -763,7 +763,7 @@
           <a:p>
             <a:fld id="{37886FAB-1D5F-4475-9F0F-75CF51AF13A6}" type="datetimeFigureOut">
               <a:rPr lang="de-DE" smtClean="0"/>
-              <a:t>24.07.2018</a:t>
+              <a:t>01.08.2018</a:t>
             </a:fld>
             <a:endParaRPr lang="de-DE"/>
           </a:p>
@@ -1009,7 +1009,7 @@
           <a:p>
             <a:fld id="{37886FAB-1D5F-4475-9F0F-75CF51AF13A6}" type="datetimeFigureOut">
               <a:rPr lang="de-DE" smtClean="0"/>
-              <a:t>24.07.2018</a:t>
+              <a:t>01.08.2018</a:t>
             </a:fld>
             <a:endParaRPr lang="de-DE"/>
           </a:p>
@@ -1241,7 +1241,7 @@
           <a:p>
             <a:fld id="{37886FAB-1D5F-4475-9F0F-75CF51AF13A6}" type="datetimeFigureOut">
               <a:rPr lang="de-DE" smtClean="0"/>
-              <a:t>24.07.2018</a:t>
+              <a:t>01.08.2018</a:t>
             </a:fld>
             <a:endParaRPr lang="de-DE"/>
           </a:p>
@@ -1608,7 +1608,7 @@
           <a:p>
             <a:fld id="{37886FAB-1D5F-4475-9F0F-75CF51AF13A6}" type="datetimeFigureOut">
               <a:rPr lang="de-DE" smtClean="0"/>
-              <a:t>24.07.2018</a:t>
+              <a:t>01.08.2018</a:t>
             </a:fld>
             <a:endParaRPr lang="de-DE"/>
           </a:p>
@@ -1726,7 +1726,7 @@
           <a:p>
             <a:fld id="{37886FAB-1D5F-4475-9F0F-75CF51AF13A6}" type="datetimeFigureOut">
               <a:rPr lang="de-DE" smtClean="0"/>
-              <a:t>24.07.2018</a:t>
+              <a:t>01.08.2018</a:t>
             </a:fld>
             <a:endParaRPr lang="de-DE"/>
           </a:p>
@@ -1821,7 +1821,7 @@
           <a:p>
             <a:fld id="{37886FAB-1D5F-4475-9F0F-75CF51AF13A6}" type="datetimeFigureOut">
               <a:rPr lang="de-DE" smtClean="0"/>
-              <a:t>24.07.2018</a:t>
+              <a:t>01.08.2018</a:t>
             </a:fld>
             <a:endParaRPr lang="de-DE"/>
           </a:p>
@@ -2098,7 +2098,7 @@
           <a:p>
             <a:fld id="{37886FAB-1D5F-4475-9F0F-75CF51AF13A6}" type="datetimeFigureOut">
               <a:rPr lang="de-DE" smtClean="0"/>
-              <a:t>24.07.2018</a:t>
+              <a:t>01.08.2018</a:t>
             </a:fld>
             <a:endParaRPr lang="de-DE"/>
           </a:p>
@@ -2351,7 +2351,7 @@
           <a:p>
             <a:fld id="{37886FAB-1D5F-4475-9F0F-75CF51AF13A6}" type="datetimeFigureOut">
               <a:rPr lang="de-DE" smtClean="0"/>
-              <a:t>24.07.2018</a:t>
+              <a:t>01.08.2018</a:t>
             </a:fld>
             <a:endParaRPr lang="de-DE"/>
           </a:p>
@@ -2564,7 +2564,7 @@
           <a:p>
             <a:fld id="{37886FAB-1D5F-4475-9F0F-75CF51AF13A6}" type="datetimeFigureOut">
               <a:rPr lang="de-DE" smtClean="0"/>
-              <a:t>24.07.2018</a:t>
+              <a:t>01.08.2018</a:t>
             </a:fld>
             <a:endParaRPr lang="de-DE"/>
           </a:p>
@@ -3019,7 +3019,7 @@
                   <a:schemeClr val="tx1"/>
                 </a:solidFill>
               </a:rPr>
-              <a:t>Users</a:t>
+              <a:t>Developers</a:t>
             </a:r>
             <a:endParaRPr lang="de-DE" dirty="0">
               <a:solidFill>
